--- a/数据结构和算法/一些题目的解题思路.pptx
+++ b/数据结构和算法/一些题目的解题思路.pptx
@@ -7,8 +7,8 @@
   <p:sldIdLst>
     <p:sldId id="256" r:id="rId3"/>
     <p:sldId id="257" r:id="rId4"/>
-    <p:sldId id="258" r:id="rId5"/>
-    <p:sldId id="259" r:id="rId6"/>
+    <p:sldId id="259" r:id="rId5"/>
+    <p:sldId id="258" r:id="rId6"/>
     <p:sldId id="260" r:id="rId7"/>
     <p:sldId id="261" r:id="rId8"/>
     <p:sldId id="262" r:id="rId9"/>
@@ -3060,7 +3060,7 @@
         </p:nvSpPr>
         <p:spPr>
           <a:xfrm>
-            <a:off x="239395" y="1284605"/>
+            <a:off x="239395" y="1367155"/>
             <a:ext cx="4985385" cy="398780"/>
           </a:xfrm>
           <a:prstGeom prst="rect">
@@ -3820,11 +3820,7 @@
             </a:r>
             <a:r>
               <a:rPr lang="zh-CN" altLang="en-US" sz="1000"/>
-              <a:t>求出</a:t>
-            </a:r>
-            <a:r>
-              <a:rPr lang="zh-CN" altLang="en-US" sz="1000"/>
-              <a:t>每一层的宽度，不断更新最大宽度，当队列长度为零时，退出，并返回宽度</a:t>
+              <a:t>求出每一层的宽度，不断更新最大宽度，当队列长度为零时，退出，并返回宽度</a:t>
             </a:r>
             <a:endParaRPr lang="en-US" altLang="zh-CN" sz="1000">
               <a:sym typeface="+mn-ea"/>
@@ -3917,6 +3913,135 @@
             <a:endParaRPr lang="zh-CN" altLang="en-US" sz="1000">
               <a:sym typeface="+mn-ea"/>
             </a:endParaRPr>
+          </a:p>
+        </p:txBody>
+      </p:sp>
+      <p:sp>
+        <p:nvSpPr>
+          <p:cNvPr id="17" name="文本框 16"/>
+          <p:cNvSpPr txBox="1"/>
+          <p:nvPr/>
+        </p:nvSpPr>
+        <p:spPr>
+          <a:xfrm>
+            <a:off x="238125" y="5321935"/>
+            <a:ext cx="5250815" cy="553085"/>
+          </a:xfrm>
+          <a:prstGeom prst="rect">
+            <a:avLst/>
+          </a:prstGeom>
+          <a:noFill/>
+        </p:spPr>
+        <p:txBody>
+          <a:bodyPr wrap="square" rtlCol="0">
+            <a:spAutoFit/>
+          </a:bodyPr>
+          <a:p>
+            <a:r>
+              <a:rPr lang="en-US" altLang="zh-CN" sz="1000" b="1"/>
+              <a:t>15.</a:t>
+            </a:r>
+            <a:r>
+              <a:rPr lang="zh-CN" altLang="en-US" sz="1000" b="1"/>
+              <a:t>判断二叉树是否为对称的（</a:t>
+            </a:r>
+            <a:r>
+              <a:rPr sz="1000" b="1"/>
+              <a:t>如果一颗二叉树是和它的镜像是一样的，那么它是对称的</a:t>
+            </a:r>
+            <a:r>
+              <a:rPr lang="zh-CN" sz="1000" b="1"/>
+              <a:t>）</a:t>
+            </a:r>
+            <a:endParaRPr sz="1000" b="1"/>
+          </a:p>
+          <a:p>
+            <a:r>
+              <a:rPr lang="zh-CN" altLang="en-US" sz="1000"/>
+              <a:t>非递归方法，因为对称的二叉树的根左右和根右左的遍历序列是相同的，考虑采用这种思路</a:t>
+            </a:r>
+            <a:endParaRPr lang="zh-CN" altLang="en-US" sz="1000"/>
+          </a:p>
+        </p:txBody>
+      </p:sp>
+      <p:sp>
+        <p:nvSpPr>
+          <p:cNvPr id="18" name="文本框 17"/>
+          <p:cNvSpPr txBox="1"/>
+          <p:nvPr/>
+        </p:nvSpPr>
+        <p:spPr>
+          <a:xfrm>
+            <a:off x="239395" y="6002020"/>
+            <a:ext cx="4985385" cy="553085"/>
+          </a:xfrm>
+          <a:prstGeom prst="rect">
+            <a:avLst/>
+          </a:prstGeom>
+          <a:noFill/>
+        </p:spPr>
+        <p:txBody>
+          <a:bodyPr wrap="square" rtlCol="0">
+            <a:spAutoFit/>
+          </a:bodyPr>
+          <a:p>
+            <a:r>
+              <a:rPr lang="en-US" altLang="zh-CN" sz="1000" b="1"/>
+              <a:t>16.</a:t>
+            </a:r>
+            <a:r>
+              <a:rPr lang="zh-CN" altLang="en-US" sz="1000" b="1"/>
+              <a:t>从上往下打印二叉树</a:t>
+            </a:r>
+            <a:endParaRPr lang="zh-CN" altLang="en-US" sz="1000" b="1"/>
+          </a:p>
+          <a:p>
+            <a:r>
+              <a:rPr lang="en-US" altLang="zh-CN" sz="1000" b="1"/>
+              <a:t>- </a:t>
+            </a:r>
+            <a:r>
+              <a:rPr lang="zh-CN" altLang="en-US" sz="1000" b="1"/>
+              <a:t>使用队列保存每一层的结点，每打印一层的同时，将该层的左右子树分别加入到队列中，</a:t>
+            </a:r>
+            <a:r>
+              <a:rPr lang="en-US" altLang="zh-CN" sz="1000" b="1"/>
+              <a:t>while</a:t>
+            </a:r>
+            <a:r>
+              <a:rPr lang="zh-CN" altLang="en-US" sz="1000" b="1"/>
+              <a:t>循环直到队列为空</a:t>
+            </a:r>
+            <a:endParaRPr lang="zh-CN" altLang="en-US" sz="1000" b="1"/>
+          </a:p>
+        </p:txBody>
+      </p:sp>
+      <p:sp>
+        <p:nvSpPr>
+          <p:cNvPr id="19" name="文本框 18"/>
+          <p:cNvSpPr txBox="1"/>
+          <p:nvPr/>
+        </p:nvSpPr>
+        <p:spPr>
+          <a:xfrm>
+            <a:off x="1671955" y="163195"/>
+            <a:ext cx="3610610" cy="245110"/>
+          </a:xfrm>
+          <a:prstGeom prst="rect">
+            <a:avLst/>
+          </a:prstGeom>
+          <a:noFill/>
+        </p:spPr>
+        <p:txBody>
+          <a:bodyPr wrap="square" rtlCol="0">
+            <a:spAutoFit/>
+          </a:bodyPr>
+          <a:p>
+            <a:r>
+              <a:rPr lang="zh-CN" altLang="en-US" sz="1000"/>
+              <a:t>只要是非递归遍历二叉树，都需要使用一个辅助栈保存结点</a:t>
+            </a:r>
+            <a:endParaRPr lang="zh-CN" altLang="en-US" sz="1000"/>
           </a:p>
         </p:txBody>
       </p:sp>
@@ -4118,6 +4243,324 @@
         <p:nvPr/>
       </p:nvGrpSpPr>
       <p:grpSpPr/>
+      <p:sp>
+        <p:nvSpPr>
+          <p:cNvPr id="4" name="矩形 3"/>
+          <p:cNvSpPr/>
+          <p:nvPr/>
+        </p:nvSpPr>
+        <p:spPr>
+          <a:xfrm>
+            <a:off x="213360" y="146050"/>
+            <a:ext cx="849630" cy="325755"/>
+          </a:xfrm>
+          <a:prstGeom prst="rect">
+            <a:avLst/>
+          </a:prstGeom>
+        </p:spPr>
+        <p:style>
+          <a:lnRef idx="1">
+            <a:schemeClr val="accent2"/>
+          </a:lnRef>
+          <a:fillRef idx="2">
+            <a:schemeClr val="accent2"/>
+          </a:fillRef>
+          <a:effectRef idx="1">
+            <a:schemeClr val="accent2"/>
+          </a:effectRef>
+          <a:fontRef idx="minor">
+            <a:schemeClr val="dk1"/>
+          </a:fontRef>
+        </p:style>
+        <p:txBody>
+          <a:bodyPr rtlCol="0" anchor="ctr"/>
+          <a:p>
+            <a:pPr algn="ctr"/>
+            <a:r>
+              <a:rPr lang="zh-CN" altLang="en-US" sz="1000"/>
+              <a:t>链表的问题</a:t>
+            </a:r>
+            <a:endParaRPr lang="zh-CN" altLang="en-US" sz="1000"/>
+          </a:p>
+        </p:txBody>
+      </p:sp>
+      <p:sp>
+        <p:nvSpPr>
+          <p:cNvPr id="6" name="文本框 5"/>
+          <p:cNvSpPr txBox="1"/>
+          <p:nvPr/>
+        </p:nvSpPr>
+        <p:spPr>
+          <a:xfrm>
+            <a:off x="213360" y="697865"/>
+            <a:ext cx="5250815" cy="860425"/>
+          </a:xfrm>
+          <a:prstGeom prst="rect">
+            <a:avLst/>
+          </a:prstGeom>
+          <a:noFill/>
+        </p:spPr>
+        <p:txBody>
+          <a:bodyPr wrap="square" rtlCol="0">
+            <a:spAutoFit/>
+          </a:bodyPr>
+          <a:p>
+            <a:r>
+              <a:rPr lang="en-US" altLang="zh-CN" sz="1000" b="1"/>
+              <a:t>1.</a:t>
+            </a:r>
+            <a:r>
+              <a:rPr sz="1000" b="1"/>
+              <a:t>两个链表的第一个公共结点</a:t>
+            </a:r>
+            <a:endParaRPr sz="1000" b="1"/>
+          </a:p>
+          <a:p>
+            <a:r>
+              <a:rPr lang="en-US" altLang="zh-CN" sz="1000" b="1"/>
+              <a:t>- </a:t>
+            </a:r>
+            <a:r>
+              <a:rPr lang="zh-CN" altLang="en-US" sz="1000" b="1"/>
+              <a:t>考虑：只要两个链表相交之后，那么它们后面的结点都是相同的</a:t>
+            </a:r>
+            <a:r>
+              <a:rPr lang="en-US" altLang="zh-CN" sz="1000" b="1"/>
+              <a:t>.</a:t>
+            </a:r>
+            <a:endParaRPr lang="en-US" altLang="zh-CN" sz="1000" b="1"/>
+          </a:p>
+          <a:p>
+            <a:r>
+              <a:rPr lang="zh-CN" altLang="en-US" sz="1000" b="1"/>
+              <a:t>因此，可以先求出两个链表的长度，同时，为了能够逐个进行比较，需要使得它们的长度相同，所以让较长的结点移动到与较短的长度相同后，再进行结点比较，只要比较到结点相同，返回该结点，该结点就是两个链表的第一个公共结点</a:t>
+            </a:r>
+            <a:endParaRPr lang="zh-CN" altLang="en-US" sz="1000" b="1"/>
+          </a:p>
+        </p:txBody>
+      </p:sp>
+      <p:sp>
+        <p:nvSpPr>
+          <p:cNvPr id="2" name="文本框 1"/>
+          <p:cNvSpPr txBox="1"/>
+          <p:nvPr/>
+        </p:nvSpPr>
+        <p:spPr>
+          <a:xfrm>
+            <a:off x="213360" y="1672590"/>
+            <a:ext cx="4985385" cy="398780"/>
+          </a:xfrm>
+          <a:prstGeom prst="rect">
+            <a:avLst/>
+          </a:prstGeom>
+          <a:noFill/>
+        </p:spPr>
+        <p:txBody>
+          <a:bodyPr wrap="square" rtlCol="0">
+            <a:spAutoFit/>
+          </a:bodyPr>
+          <a:p>
+            <a:r>
+              <a:rPr lang="en-US" altLang="zh-CN" sz="1000" b="1"/>
+              <a:t>2.</a:t>
+            </a:r>
+            <a:r>
+              <a:rPr sz="1000" b="1"/>
+              <a:t>反转链表</a:t>
+            </a:r>
+            <a:endParaRPr sz="1000" b="1"/>
+          </a:p>
+          <a:p>
+            <a:r>
+              <a:rPr lang="en-US" altLang="zh-CN" sz="1000" b="1"/>
+              <a:t>- </a:t>
+            </a:r>
+            <a:r>
+              <a:rPr lang="zh-CN" altLang="en-US" sz="1000" b="1"/>
+              <a:t>要注意每次遍历一个新的结点时，需要将它的下一个结点保存下来，防止断链</a:t>
+            </a:r>
+            <a:endParaRPr lang="zh-CN" altLang="en-US" sz="1000" b="1"/>
+          </a:p>
+        </p:txBody>
+      </p:sp>
+      <p:sp>
+        <p:nvSpPr>
+          <p:cNvPr id="3" name="文本框 2"/>
+          <p:cNvSpPr txBox="1"/>
+          <p:nvPr/>
+        </p:nvSpPr>
+        <p:spPr>
+          <a:xfrm>
+            <a:off x="213360" y="2280285"/>
+            <a:ext cx="4985385" cy="398780"/>
+          </a:xfrm>
+          <a:prstGeom prst="rect">
+            <a:avLst/>
+          </a:prstGeom>
+          <a:noFill/>
+        </p:spPr>
+        <p:txBody>
+          <a:bodyPr wrap="square" rtlCol="0">
+            <a:spAutoFit/>
+          </a:bodyPr>
+          <a:p>
+            <a:r>
+              <a:rPr lang="en-US" altLang="zh-CN" sz="1000" b="1"/>
+              <a:t>3.</a:t>
+            </a:r>
+            <a:r>
+              <a:rPr lang="zh-CN" altLang="en-US" sz="1000" b="1"/>
+              <a:t>从头到尾打印</a:t>
+            </a:r>
+            <a:r>
+              <a:rPr sz="1000" b="1"/>
+              <a:t>链表</a:t>
+            </a:r>
+            <a:endParaRPr sz="1000" b="1"/>
+          </a:p>
+          <a:p>
+            <a:r>
+              <a:rPr lang="en-US" altLang="zh-CN" sz="1000" b="1"/>
+              <a:t>- </a:t>
+            </a:r>
+            <a:r>
+              <a:rPr lang="zh-CN" altLang="en-US" sz="1000" b="1"/>
+              <a:t>使用递归或使用栈</a:t>
+            </a:r>
+            <a:endParaRPr lang="zh-CN" altLang="en-US" sz="1000" b="1"/>
+          </a:p>
+        </p:txBody>
+      </p:sp>
+      <p:sp>
+        <p:nvSpPr>
+          <p:cNvPr id="5" name="文本框 4"/>
+          <p:cNvSpPr txBox="1"/>
+          <p:nvPr/>
+        </p:nvSpPr>
+        <p:spPr>
+          <a:xfrm>
+            <a:off x="213360" y="2810510"/>
+            <a:ext cx="4985385" cy="706755"/>
+          </a:xfrm>
+          <a:prstGeom prst="rect">
+            <a:avLst/>
+          </a:prstGeom>
+          <a:noFill/>
+        </p:spPr>
+        <p:txBody>
+          <a:bodyPr wrap="square" rtlCol="0">
+            <a:spAutoFit/>
+          </a:bodyPr>
+          <a:p>
+            <a:r>
+              <a:rPr lang="en-US" altLang="zh-CN" sz="1000" b="1"/>
+              <a:t>4.</a:t>
+            </a:r>
+            <a:r>
+              <a:rPr lang="zh-CN" altLang="en-US" sz="1000" b="1"/>
+              <a:t>删除</a:t>
+            </a:r>
+            <a:r>
+              <a:rPr sz="1000" b="1"/>
+              <a:t>链表</a:t>
+            </a:r>
+            <a:r>
+              <a:rPr lang="zh-CN" sz="1000" b="1"/>
+              <a:t>中的重复结点</a:t>
+            </a:r>
+            <a:endParaRPr lang="zh-CN" sz="1000" b="1"/>
+          </a:p>
+          <a:p>
+            <a:r>
+              <a:rPr lang="zh-CN" sz="1000" b="1"/>
+              <a:t>非递归方法：</a:t>
+            </a:r>
+            <a:endParaRPr sz="1000" b="1"/>
+          </a:p>
+          <a:p>
+            <a:r>
+              <a:rPr lang="en-US" altLang="zh-CN" sz="1000" b="1"/>
+              <a:t>- </a:t>
+            </a:r>
+            <a:r>
+              <a:rPr lang="zh-CN" altLang="en-US" sz="1000" b="1"/>
+              <a:t>先定义一个链表结点（</a:t>
+            </a:r>
+            <a:r>
+              <a:rPr lang="en-US" altLang="zh-CN" sz="1000" b="1"/>
+              <a:t>first</a:t>
+            </a:r>
+            <a:r>
+              <a:rPr lang="zh-CN" altLang="en-US" sz="1000" b="1"/>
+              <a:t>），该结点不是头结点，则返回</a:t>
+            </a:r>
+            <a:r>
+              <a:rPr lang="en-US" altLang="zh-CN" sz="1000" b="1"/>
+              <a:t>first.next</a:t>
+            </a:r>
+            <a:endParaRPr lang="en-US" altLang="zh-CN" sz="1000" b="1"/>
+          </a:p>
+          <a:p>
+            <a:r>
+              <a:rPr lang="en-US" altLang="zh-CN" sz="1000" b="1"/>
+              <a:t>- </a:t>
+            </a:r>
+            <a:r>
+              <a:rPr lang="zh-CN" altLang="en-US" sz="1000" b="1"/>
+              <a:t>如果当前结点和下一结点相同，则删除所有相同的结点，注意各个指针的指向</a:t>
+            </a:r>
+            <a:endParaRPr lang="zh-CN" altLang="en-US" sz="1000" b="1"/>
+          </a:p>
+        </p:txBody>
+      </p:sp>
+      <p:sp>
+        <p:nvSpPr>
+          <p:cNvPr id="7" name="文本框 6"/>
+          <p:cNvSpPr txBox="1"/>
+          <p:nvPr/>
+        </p:nvSpPr>
+        <p:spPr>
+          <a:xfrm>
+            <a:off x="213360" y="3580765"/>
+            <a:ext cx="4985385" cy="398780"/>
+          </a:xfrm>
+          <a:prstGeom prst="rect">
+            <a:avLst/>
+          </a:prstGeom>
+          <a:noFill/>
+        </p:spPr>
+        <p:txBody>
+          <a:bodyPr wrap="square" rtlCol="0">
+            <a:spAutoFit/>
+          </a:bodyPr>
+          <a:p>
+            <a:r>
+              <a:rPr lang="en-US" altLang="zh-CN" sz="1000" b="1"/>
+              <a:t>5.</a:t>
+            </a:r>
+            <a:r>
+              <a:rPr lang="zh-CN" sz="1000" b="1"/>
+              <a:t>合并两个有序链表</a:t>
+            </a:r>
+            <a:endParaRPr lang="zh-CN" sz="1000" b="1"/>
+          </a:p>
+          <a:p>
+            <a:r>
+              <a:rPr lang="en-US" altLang="zh-CN" sz="1000" b="1"/>
+              <a:t>- </a:t>
+            </a:r>
+            <a:r>
+              <a:rPr lang="zh-CN" altLang="en-US" sz="1000" b="1"/>
+              <a:t>（递归和非递归方法）要注意头结点的问题</a:t>
+            </a:r>
+            <a:r>
+              <a:rPr lang="en-US" altLang="zh-CN" sz="1000" b="1"/>
+              <a:t>.</a:t>
+            </a:r>
+            <a:endParaRPr lang="en-US" altLang="zh-CN" sz="1000" b="1"/>
+          </a:p>
+        </p:txBody>
+      </p:sp>
     </p:spTree>
   </p:cSld>
   <p:clrMapOvr>
@@ -4154,6 +4597,290 @@
         <p:nvPr/>
       </p:nvGrpSpPr>
       <p:grpSpPr/>
+      <p:sp>
+        <p:nvSpPr>
+          <p:cNvPr id="4" name="矩形 3"/>
+          <p:cNvSpPr/>
+          <p:nvPr/>
+        </p:nvSpPr>
+        <p:spPr>
+          <a:xfrm>
+            <a:off x="213360" y="146050"/>
+            <a:ext cx="1793240" cy="325755"/>
+          </a:xfrm>
+          <a:prstGeom prst="rect">
+            <a:avLst/>
+          </a:prstGeom>
+        </p:spPr>
+        <p:style>
+          <a:lnRef idx="1">
+            <a:schemeClr val="accent2"/>
+          </a:lnRef>
+          <a:fillRef idx="2">
+            <a:schemeClr val="accent2"/>
+          </a:fillRef>
+          <a:effectRef idx="1">
+            <a:schemeClr val="accent2"/>
+          </a:effectRef>
+          <a:fontRef idx="minor">
+            <a:schemeClr val="dk1"/>
+          </a:fontRef>
+        </p:style>
+        <p:txBody>
+          <a:bodyPr rtlCol="0" anchor="ctr"/>
+          <a:p>
+            <a:pPr algn="ctr"/>
+            <a:r>
+              <a:rPr lang="zh-CN" altLang="en-US" sz="1000"/>
+              <a:t>数组和字符串的问题</a:t>
+            </a:r>
+            <a:endParaRPr lang="zh-CN" altLang="en-US" sz="1000"/>
+          </a:p>
+        </p:txBody>
+      </p:sp>
+      <p:sp>
+        <p:nvSpPr>
+          <p:cNvPr id="7" name="文本框 6"/>
+          <p:cNvSpPr txBox="1"/>
+          <p:nvPr/>
+        </p:nvSpPr>
+        <p:spPr>
+          <a:xfrm>
+            <a:off x="213360" y="791845"/>
+            <a:ext cx="4985385" cy="860425"/>
+          </a:xfrm>
+          <a:prstGeom prst="rect">
+            <a:avLst/>
+          </a:prstGeom>
+          <a:noFill/>
+        </p:spPr>
+        <p:txBody>
+          <a:bodyPr wrap="square" rtlCol="0">
+            <a:spAutoFit/>
+          </a:bodyPr>
+          <a:p>
+            <a:r>
+              <a:rPr lang="en-US" altLang="zh-CN" sz="1000" b="1"/>
+              <a:t>1.</a:t>
+            </a:r>
+            <a:r>
+              <a:rPr lang="zh-CN" sz="1000" b="1"/>
+              <a:t>把数组排成最小的数</a:t>
+            </a:r>
+            <a:endParaRPr lang="zh-CN" sz="1000" b="1"/>
+          </a:p>
+          <a:p>
+            <a:r>
+              <a:rPr lang="en-US" altLang="zh-CN" sz="1000" b="1"/>
+              <a:t>- </a:t>
+            </a:r>
+            <a:r>
+              <a:rPr lang="zh-CN" altLang="en-US" sz="1000" b="1"/>
+              <a:t>先将数组转换为字符串数组</a:t>
+            </a:r>
+            <a:endParaRPr lang="zh-CN" altLang="en-US" sz="1000" b="1"/>
+          </a:p>
+          <a:p>
+            <a:r>
+              <a:rPr lang="en-US" altLang="zh-CN" sz="1000" b="1"/>
+              <a:t>- </a:t>
+            </a:r>
+            <a:r>
+              <a:rPr lang="zh-CN" altLang="en-US" sz="1000" b="1"/>
+              <a:t>使用</a:t>
+            </a:r>
+            <a:r>
+              <a:rPr lang="en-US" altLang="zh-CN" sz="1000" b="1"/>
+              <a:t>Arrays.sort</a:t>
+            </a:r>
+            <a:r>
+              <a:rPr lang="zh-CN" altLang="en-US" sz="1000" b="1"/>
+              <a:t>方法，并重新重写</a:t>
+            </a:r>
+            <a:r>
+              <a:rPr lang="en-US" altLang="zh-CN" sz="1000" b="1"/>
+              <a:t>compareTo</a:t>
+            </a:r>
+            <a:r>
+              <a:rPr lang="zh-CN" altLang="en-US" sz="1000" b="1"/>
+              <a:t>方法根据什么标准进行排序</a:t>
+            </a:r>
+            <a:endParaRPr lang="zh-CN" altLang="en-US" sz="1000" b="1"/>
+          </a:p>
+          <a:p>
+            <a:r>
+              <a:rPr lang="en-US" altLang="zh-CN" sz="1000" b="1"/>
+              <a:t>- </a:t>
+            </a:r>
+            <a:r>
+              <a:rPr lang="zh-CN" altLang="en-US" sz="1000" b="1"/>
+              <a:t>因为经过</a:t>
+            </a:r>
+            <a:r>
+              <a:rPr lang="en-US" altLang="zh-CN" sz="1000" b="1">
+                <a:sym typeface="+mn-ea"/>
+              </a:rPr>
+              <a:t>Arrays.sort</a:t>
+            </a:r>
+            <a:r>
+              <a:rPr lang="zh-CN" altLang="en-US" sz="1000" b="1">
+                <a:sym typeface="+mn-ea"/>
+              </a:rPr>
+              <a:t>后得到的字符串数组已经是排列好的最小数，此时遍历字符串数组，并拼接，最后返回即可</a:t>
+            </a:r>
+            <a:endParaRPr lang="zh-CN" altLang="en-US" sz="1000" b="1">
+              <a:sym typeface="+mn-ea"/>
+            </a:endParaRPr>
+          </a:p>
+        </p:txBody>
+      </p:sp>
+      <p:sp>
+        <p:nvSpPr>
+          <p:cNvPr id="2" name="文本框 1"/>
+          <p:cNvSpPr txBox="1"/>
+          <p:nvPr/>
+        </p:nvSpPr>
+        <p:spPr>
+          <a:xfrm>
+            <a:off x="213360" y="1870710"/>
+            <a:ext cx="4985385" cy="860425"/>
+          </a:xfrm>
+          <a:prstGeom prst="rect">
+            <a:avLst/>
+          </a:prstGeom>
+          <a:noFill/>
+        </p:spPr>
+        <p:txBody>
+          <a:bodyPr wrap="square" rtlCol="0">
+            <a:spAutoFit/>
+          </a:bodyPr>
+          <a:p>
+            <a:r>
+              <a:rPr lang="en-US" altLang="zh-CN" sz="1000" b="1"/>
+              <a:t>2.</a:t>
+            </a:r>
+            <a:r>
+              <a:rPr lang="zh-CN" sz="1000" b="1"/>
+              <a:t>输入一个递增数组和一个数字S，求出是否含有两个数字的和为S的两个元素</a:t>
+            </a:r>
+            <a:endParaRPr lang="zh-CN" sz="1000" b="1"/>
+          </a:p>
+          <a:p>
+            <a:r>
+              <a:rPr lang="en-US" altLang="zh-CN" sz="1000" b="1"/>
+              <a:t>- </a:t>
+            </a:r>
+            <a:r>
+              <a:rPr lang="zh-CN" altLang="en-US" sz="1000" b="1"/>
+              <a:t>双指针法（一个指向数组首部，另一个指向数组尾部），时间复杂度为</a:t>
+            </a:r>
+            <a:r>
+              <a:rPr lang="en-US" altLang="zh-CN" sz="1000" b="1"/>
+              <a:t>O(n)</a:t>
+            </a:r>
+            <a:endParaRPr lang="zh-CN" altLang="en-US" sz="1000" b="1"/>
+          </a:p>
+          <a:p>
+            <a:r>
+              <a:rPr lang="en-US" altLang="zh-CN" sz="1000" b="1">
+                <a:sym typeface="+mn-ea"/>
+              </a:rPr>
+              <a:t>- </a:t>
+            </a:r>
+            <a:r>
+              <a:rPr lang="zh-CN" altLang="en-US" sz="1000" b="1">
+                <a:sym typeface="+mn-ea"/>
+              </a:rPr>
+              <a:t>将两个指针索引对应值相加看是否等于</a:t>
+            </a:r>
+            <a:r>
+              <a:rPr lang="en-US" altLang="zh-CN" sz="1000" b="1">
+                <a:sym typeface="+mn-ea"/>
+              </a:rPr>
+              <a:t>target</a:t>
+            </a:r>
+            <a:r>
+              <a:rPr lang="zh-CN" altLang="en-US" sz="1000" b="1">
+                <a:sym typeface="+mn-ea"/>
+              </a:rPr>
+              <a:t>，如果不等，则：</a:t>
+            </a:r>
+            <a:endParaRPr lang="zh-CN" altLang="en-US" sz="1000" b="1">
+              <a:sym typeface="+mn-ea"/>
+            </a:endParaRPr>
+          </a:p>
+          <a:p>
+            <a:r>
+              <a:rPr lang="en-US" altLang="zh-CN" sz="1000" b="1">
+                <a:sym typeface="+mn-ea"/>
+              </a:rPr>
+              <a:t>1</a:t>
+            </a:r>
+            <a:r>
+              <a:rPr lang="zh-CN" altLang="en-US" sz="1000" b="1">
+                <a:sym typeface="+mn-ea"/>
+              </a:rPr>
+              <a:t>）</a:t>
+            </a:r>
+            <a:r>
+              <a:rPr lang="en-US" altLang="zh-CN" sz="1000" b="1">
+                <a:sym typeface="+mn-ea"/>
+              </a:rPr>
+              <a:t>sum&lt;target    </a:t>
+            </a:r>
+            <a:r>
+              <a:rPr lang="zh-CN" altLang="en-US" sz="1000" b="1">
+                <a:sym typeface="+mn-ea"/>
+              </a:rPr>
+              <a:t>则需要将左指针往右移动，增大</a:t>
+            </a:r>
+            <a:r>
+              <a:rPr lang="en-US" altLang="zh-CN" sz="1000" b="1">
+                <a:sym typeface="+mn-ea"/>
+              </a:rPr>
+              <a:t>sum</a:t>
+            </a:r>
+            <a:endParaRPr lang="en-US" altLang="zh-CN" sz="1000" b="1">
+              <a:sym typeface="+mn-ea"/>
+            </a:endParaRPr>
+          </a:p>
+          <a:p>
+            <a:r>
+              <a:rPr lang="en-US" altLang="zh-CN" sz="1000" b="1">
+                <a:sym typeface="+mn-ea"/>
+              </a:rPr>
+              <a:t>2</a:t>
+            </a:r>
+            <a:r>
+              <a:rPr lang="zh-CN" altLang="en-US" sz="1000" b="1">
+                <a:sym typeface="+mn-ea"/>
+              </a:rPr>
+              <a:t>）</a:t>
+            </a:r>
+            <a:r>
+              <a:rPr lang="en-US" altLang="zh-CN" sz="1000" b="1">
+                <a:sym typeface="+mn-ea"/>
+              </a:rPr>
+              <a:t>sum&gt;target    </a:t>
+            </a:r>
+            <a:r>
+              <a:rPr lang="zh-CN" altLang="en-US" sz="1000" b="1">
+                <a:sym typeface="+mn-ea"/>
+              </a:rPr>
+              <a:t>则需要将右指针往左移动，减小</a:t>
+            </a:r>
+            <a:r>
+              <a:rPr lang="en-US" altLang="zh-CN" sz="1000" b="1">
+                <a:sym typeface="+mn-ea"/>
+              </a:rPr>
+              <a:t>sum</a:t>
+            </a:r>
+            <a:endParaRPr lang="en-US" altLang="zh-CN" sz="1000" b="1">
+              <a:sym typeface="+mn-ea"/>
+            </a:endParaRPr>
+          </a:p>
+        </p:txBody>
+      </p:sp>
     </p:spTree>
   </p:cSld>
   <p:clrMapOvr>
@@ -4172,6 +4899,409 @@
         <p:nvPr/>
       </p:nvGrpSpPr>
       <p:grpSpPr/>
+      <p:sp>
+        <p:nvSpPr>
+          <p:cNvPr id="3" name="矩形 2"/>
+          <p:cNvSpPr/>
+          <p:nvPr/>
+        </p:nvSpPr>
+        <p:spPr>
+          <a:xfrm>
+            <a:off x="340360" y="273050"/>
+            <a:ext cx="1793240" cy="325755"/>
+          </a:xfrm>
+          <a:prstGeom prst="rect">
+            <a:avLst/>
+          </a:prstGeom>
+        </p:spPr>
+        <p:style>
+          <a:lnRef idx="1">
+            <a:schemeClr val="accent2"/>
+          </a:lnRef>
+          <a:fillRef idx="2">
+            <a:schemeClr val="accent2"/>
+          </a:fillRef>
+          <a:effectRef idx="1">
+            <a:schemeClr val="accent2"/>
+          </a:effectRef>
+          <a:fontRef idx="minor">
+            <a:schemeClr val="dk1"/>
+          </a:fontRef>
+        </p:style>
+        <p:txBody>
+          <a:bodyPr rtlCol="0" anchor="ctr"/>
+          <a:p>
+            <a:pPr algn="ctr"/>
+            <a:r>
+              <a:rPr lang="zh-CN" altLang="en-US" sz="1000"/>
+              <a:t>栈和其他数据结构的问题</a:t>
+            </a:r>
+            <a:endParaRPr lang="zh-CN" altLang="en-US" sz="1000"/>
+          </a:p>
+        </p:txBody>
+      </p:sp>
+      <p:sp>
+        <p:nvSpPr>
+          <p:cNvPr id="7" name="文本框 6"/>
+          <p:cNvSpPr txBox="1"/>
+          <p:nvPr/>
+        </p:nvSpPr>
+        <p:spPr>
+          <a:xfrm>
+            <a:off x="213360" y="791845"/>
+            <a:ext cx="4985385" cy="1168400"/>
+          </a:xfrm>
+          <a:prstGeom prst="rect">
+            <a:avLst/>
+          </a:prstGeom>
+          <a:noFill/>
+        </p:spPr>
+        <p:txBody>
+          <a:bodyPr wrap="square" rtlCol="0">
+            <a:spAutoFit/>
+          </a:bodyPr>
+          <a:p>
+            <a:r>
+              <a:rPr lang="en-US" altLang="zh-CN" sz="1000" b="1"/>
+              <a:t>1.</a:t>
+            </a:r>
+            <a:r>
+              <a:rPr lang="zh-CN" sz="1000" b="1"/>
+              <a:t>包含min函数的栈</a:t>
+            </a:r>
+            <a:endParaRPr lang="zh-CN" sz="1000" b="1"/>
+          </a:p>
+          <a:p>
+            <a:r>
+              <a:rPr lang="en-US" altLang="zh-CN" sz="1000" b="1"/>
+              <a:t>- </a:t>
+            </a:r>
+            <a:r>
+              <a:rPr lang="zh-CN" altLang="en-US" sz="1000" b="1"/>
+              <a:t>需要使用一个辅助栈，使得辅助栈的栈顶保持最小的元素</a:t>
+            </a:r>
+            <a:endParaRPr lang="zh-CN" sz="1000" b="1"/>
+          </a:p>
+          <a:p>
+            <a:r>
+              <a:rPr lang="en-US" altLang="zh-CN" sz="1000"/>
+              <a:t>- </a:t>
+            </a:r>
+            <a:r>
+              <a:rPr lang="zh-CN" altLang="en-US" sz="1000"/>
+              <a:t>包含</a:t>
+            </a:r>
+            <a:r>
+              <a:rPr lang="en-US" altLang="zh-CN" sz="1000"/>
+              <a:t>push</a:t>
+            </a:r>
+            <a:r>
+              <a:rPr lang="zh-CN" altLang="en-US" sz="1000"/>
+              <a:t>、</a:t>
+            </a:r>
+            <a:r>
+              <a:rPr lang="en-US" altLang="zh-CN" sz="1000"/>
+              <a:t>pop</a:t>
+            </a:r>
+            <a:r>
+              <a:rPr lang="zh-CN" altLang="en-US" sz="1000"/>
+              <a:t>、</a:t>
+            </a:r>
+            <a:r>
+              <a:rPr lang="en-US" altLang="zh-CN" sz="1000"/>
+              <a:t>top</a:t>
+            </a:r>
+            <a:r>
+              <a:rPr lang="zh-CN" altLang="en-US" sz="1000"/>
+              <a:t>和</a:t>
+            </a:r>
+            <a:r>
+              <a:rPr lang="en-US" altLang="zh-CN" sz="1000"/>
+              <a:t>min 4</a:t>
+            </a:r>
+            <a:r>
+              <a:rPr lang="zh-CN" altLang="en-US" sz="1000"/>
+              <a:t>个函数</a:t>
+            </a:r>
+            <a:endParaRPr lang="zh-CN" altLang="en-US" sz="1000"/>
+          </a:p>
+          <a:p>
+            <a:r>
+              <a:rPr lang="en-US" altLang="zh-CN" sz="1000">
+                <a:sym typeface="+mn-ea"/>
+              </a:rPr>
+              <a:t>- push</a:t>
+            </a:r>
+            <a:r>
+              <a:rPr lang="zh-CN" altLang="en-US" sz="1000">
+                <a:sym typeface="+mn-ea"/>
+              </a:rPr>
+              <a:t>：压入到</a:t>
+            </a:r>
+            <a:r>
+              <a:rPr lang="en-US" altLang="zh-CN" sz="1000">
+                <a:sym typeface="+mn-ea"/>
+              </a:rPr>
+              <a:t>stack</a:t>
+            </a:r>
+            <a:r>
+              <a:rPr lang="zh-CN" altLang="en-US" sz="1000">
+                <a:sym typeface="+mn-ea"/>
+              </a:rPr>
+              <a:t>，如果该元素小于</a:t>
+            </a:r>
+            <a:r>
+              <a:rPr lang="en-US" altLang="zh-CN" sz="1000">
+                <a:sym typeface="+mn-ea"/>
+              </a:rPr>
+              <a:t>helper</a:t>
+            </a:r>
+            <a:r>
+              <a:rPr lang="zh-CN" altLang="en-US" sz="1000">
+                <a:sym typeface="+mn-ea"/>
+              </a:rPr>
+              <a:t>栈顶的元素，则压入</a:t>
+            </a:r>
+            <a:r>
+              <a:rPr lang="en-US" altLang="zh-CN" sz="1000">
+                <a:sym typeface="+mn-ea"/>
+              </a:rPr>
+              <a:t>helper</a:t>
+            </a:r>
+            <a:r>
+              <a:rPr lang="zh-CN" altLang="en-US" sz="1000">
+                <a:sym typeface="+mn-ea"/>
+              </a:rPr>
+              <a:t>中</a:t>
+            </a:r>
+            <a:endParaRPr lang="zh-CN" altLang="en-US" sz="1000">
+              <a:sym typeface="+mn-ea"/>
+            </a:endParaRPr>
+          </a:p>
+          <a:p>
+            <a:r>
+              <a:rPr lang="en-US" altLang="zh-CN" sz="1000">
+                <a:sym typeface="+mn-ea"/>
+              </a:rPr>
+              <a:t>- pop</a:t>
+            </a:r>
+            <a:r>
+              <a:rPr lang="zh-CN" altLang="en-US" sz="1000">
+                <a:sym typeface="+mn-ea"/>
+              </a:rPr>
+              <a:t>：如果</a:t>
+            </a:r>
+            <a:r>
+              <a:rPr lang="en-US" altLang="zh-CN" sz="1000">
+                <a:sym typeface="+mn-ea"/>
+              </a:rPr>
+              <a:t>stack</a:t>
+            </a:r>
+            <a:r>
+              <a:rPr lang="zh-CN" altLang="en-US" sz="1000">
+                <a:sym typeface="+mn-ea"/>
+              </a:rPr>
+              <a:t>的栈顶元素等于</a:t>
+            </a:r>
+            <a:r>
+              <a:rPr lang="en-US" altLang="zh-CN" sz="1000">
+                <a:sym typeface="+mn-ea"/>
+              </a:rPr>
+              <a:t>helper</a:t>
+            </a:r>
+            <a:r>
+              <a:rPr lang="zh-CN" altLang="en-US" sz="1000">
+                <a:sym typeface="+mn-ea"/>
+              </a:rPr>
+              <a:t>的栈顶元素，则也将</a:t>
+            </a:r>
+            <a:r>
+              <a:rPr lang="en-US" altLang="zh-CN" sz="1000">
+                <a:sym typeface="+mn-ea"/>
+              </a:rPr>
+              <a:t>helper</a:t>
+            </a:r>
+            <a:r>
+              <a:rPr lang="zh-CN" altLang="en-US" sz="1000">
+                <a:sym typeface="+mn-ea"/>
+              </a:rPr>
+              <a:t>的栈顶元素出栈</a:t>
+            </a:r>
+            <a:endParaRPr lang="zh-CN" altLang="en-US" sz="1000">
+              <a:sym typeface="+mn-ea"/>
+            </a:endParaRPr>
+          </a:p>
+          <a:p>
+            <a:r>
+              <a:rPr lang="en-US" altLang="zh-CN" sz="1000">
+                <a:sym typeface="+mn-ea"/>
+              </a:rPr>
+              <a:t>- top</a:t>
+            </a:r>
+            <a:r>
+              <a:rPr lang="zh-CN" altLang="en-US" sz="1000">
+                <a:sym typeface="+mn-ea"/>
+              </a:rPr>
+              <a:t>：直接返回</a:t>
+            </a:r>
+            <a:r>
+              <a:rPr lang="en-US" altLang="zh-CN" sz="1000">
+                <a:sym typeface="+mn-ea"/>
+              </a:rPr>
+              <a:t>stack</a:t>
+            </a:r>
+            <a:r>
+              <a:rPr lang="zh-CN" altLang="en-US" sz="1000">
+                <a:sym typeface="+mn-ea"/>
+              </a:rPr>
+              <a:t>的栈顶元素即可</a:t>
+            </a:r>
+            <a:endParaRPr lang="zh-CN" altLang="en-US" sz="1000">
+              <a:sym typeface="+mn-ea"/>
+            </a:endParaRPr>
+          </a:p>
+          <a:p>
+            <a:r>
+              <a:rPr lang="en-US" altLang="zh-CN" sz="1000">
+                <a:sym typeface="+mn-ea"/>
+              </a:rPr>
+              <a:t>- min</a:t>
+            </a:r>
+            <a:r>
+              <a:rPr lang="zh-CN" altLang="en-US" sz="1000">
+                <a:sym typeface="+mn-ea"/>
+              </a:rPr>
+              <a:t>：直接返回</a:t>
+            </a:r>
+            <a:r>
+              <a:rPr lang="en-US" altLang="zh-CN" sz="1000">
+                <a:sym typeface="+mn-ea"/>
+              </a:rPr>
+              <a:t>helper</a:t>
+            </a:r>
+            <a:r>
+              <a:rPr lang="zh-CN" altLang="en-US" sz="1000">
+                <a:sym typeface="+mn-ea"/>
+              </a:rPr>
+              <a:t>的栈顶元素即可</a:t>
+            </a:r>
+            <a:endParaRPr lang="zh-CN" altLang="en-US" sz="1000">
+              <a:sym typeface="+mn-ea"/>
+            </a:endParaRPr>
+          </a:p>
+        </p:txBody>
+      </p:sp>
+      <p:sp>
+        <p:nvSpPr>
+          <p:cNvPr id="2" name="文本框 1"/>
+          <p:cNvSpPr txBox="1"/>
+          <p:nvPr/>
+        </p:nvSpPr>
+        <p:spPr>
+          <a:xfrm>
+            <a:off x="213360" y="2112010"/>
+            <a:ext cx="4985385" cy="553085"/>
+          </a:xfrm>
+          <a:prstGeom prst="rect">
+            <a:avLst/>
+          </a:prstGeom>
+          <a:noFill/>
+        </p:spPr>
+        <p:txBody>
+          <a:bodyPr wrap="square" rtlCol="0">
+            <a:spAutoFit/>
+          </a:bodyPr>
+          <a:p>
+            <a:r>
+              <a:rPr lang="en-US" altLang="zh-CN" sz="1000" b="1"/>
+              <a:t>2.</a:t>
+            </a:r>
+            <a:r>
+              <a:rPr lang="zh-CN" sz="1000" b="1"/>
+              <a:t>不用加减乘除的加法</a:t>
+            </a:r>
+            <a:endParaRPr lang="zh-CN" sz="1000" b="1"/>
+          </a:p>
+          <a:p>
+            <a:r>
+              <a:rPr lang="en-US" altLang="zh-CN" sz="1000"/>
+              <a:t>- </a:t>
+            </a:r>
+            <a:r>
+              <a:rPr lang="zh-CN" altLang="en-US" sz="1000"/>
+              <a:t>异或运算只进行加法运算，但是不进位</a:t>
+            </a:r>
+            <a:endParaRPr lang="zh-CN" altLang="en-US" sz="1000"/>
+          </a:p>
+          <a:p>
+            <a:r>
+              <a:rPr lang="en-US" altLang="zh-CN" sz="1000">
+                <a:sym typeface="+mn-ea"/>
+              </a:rPr>
+              <a:t>- </a:t>
+            </a:r>
+            <a:r>
+              <a:rPr lang="zh-CN" altLang="en-US" sz="1000">
+                <a:sym typeface="+mn-ea"/>
+              </a:rPr>
+              <a:t>与运算则进行进位操作，直到不能进位为止，循环结束</a:t>
+            </a:r>
+            <a:endParaRPr lang="zh-CN" altLang="en-US" sz="1000">
+              <a:sym typeface="+mn-ea"/>
+            </a:endParaRPr>
+          </a:p>
+        </p:txBody>
+      </p:sp>
+      <p:sp>
+        <p:nvSpPr>
+          <p:cNvPr id="4" name="文本框 3"/>
+          <p:cNvSpPr txBox="1"/>
+          <p:nvPr/>
+        </p:nvSpPr>
+        <p:spPr>
+          <a:xfrm>
+            <a:off x="213360" y="2908300"/>
+            <a:ext cx="4985385" cy="398780"/>
+          </a:xfrm>
+          <a:prstGeom prst="rect">
+            <a:avLst/>
+          </a:prstGeom>
+          <a:noFill/>
+        </p:spPr>
+        <p:txBody>
+          <a:bodyPr wrap="square" rtlCol="0">
+            <a:spAutoFit/>
+          </a:bodyPr>
+          <a:p>
+            <a:r>
+              <a:rPr lang="en-US" altLang="zh-CN" sz="1000" b="1"/>
+              <a:t>3.</a:t>
+            </a:r>
+            <a:r>
+              <a:rPr lang="zh-CN" sz="1000" b="1"/>
+              <a:t>圆圈中最后剩下的数字</a:t>
+            </a:r>
+            <a:endParaRPr lang="zh-CN" sz="1000" b="1"/>
+          </a:p>
+          <a:p>
+            <a:r>
+              <a:rPr lang="en-US" altLang="zh-CN" sz="1000"/>
+              <a:t>- </a:t>
+            </a:r>
+            <a:r>
+              <a:rPr lang="zh-CN" altLang="en-US" sz="1000"/>
+              <a:t>寻找公式</a:t>
+            </a:r>
+            <a:r>
+              <a:rPr lang="en-US" altLang="zh-CN" sz="1000"/>
+              <a:t>f(n,m)=[f(n-1,m)+m]%n</a:t>
+            </a:r>
+            <a:endParaRPr lang="en-US" altLang="zh-CN" sz="1000">
+              <a:sym typeface="+mn-ea"/>
+            </a:endParaRPr>
+          </a:p>
+        </p:txBody>
+      </p:sp>
     </p:spTree>
   </p:cSld>
   <p:clrMapOvr>
